--- a/智慧車輛/moment of inertia report.pptx
+++ b/智慧車輛/moment of inertia report.pptx
@@ -105,6 +105,11 @@
       </a:defRPr>
     </a:lvl9pPr>
   </p:defaultTextStyle>
+  <p:extLst>
+    <p:ext uri="{EFAFB233-063F-42B5-8137-9DF3F51BA10A}">
+      <p15:sldGuideLst xmlns:p15="http://schemas.microsoft.com/office/powerpoint/2012/main"/>
+    </p:ext>
+  </p:extLst>
 </p:presentation>
 </file>
 
@@ -255,7 +260,7 @@
           <a:p>
             <a:fld id="{8401958D-91DE-4036-8CB5-879656988744}" type="datetimeFigureOut">
               <a:rPr lang="zh-TW" altLang="en-US" smtClean="0"/>
-              <a:t>2023/10/17</a:t>
+              <a:t>2023/10/18</a:t>
             </a:fld>
             <a:endParaRPr lang="zh-TW" altLang="en-US"/>
           </a:p>
@@ -453,7 +458,7 @@
           <a:p>
             <a:fld id="{8401958D-91DE-4036-8CB5-879656988744}" type="datetimeFigureOut">
               <a:rPr lang="zh-TW" altLang="en-US" smtClean="0"/>
-              <a:t>2023/10/17</a:t>
+              <a:t>2023/10/18</a:t>
             </a:fld>
             <a:endParaRPr lang="zh-TW" altLang="en-US"/>
           </a:p>
@@ -661,7 +666,7 @@
           <a:p>
             <a:fld id="{8401958D-91DE-4036-8CB5-879656988744}" type="datetimeFigureOut">
               <a:rPr lang="zh-TW" altLang="en-US" smtClean="0"/>
-              <a:t>2023/10/17</a:t>
+              <a:t>2023/10/18</a:t>
             </a:fld>
             <a:endParaRPr lang="zh-TW" altLang="en-US"/>
           </a:p>
@@ -859,7 +864,7 @@
           <a:p>
             <a:fld id="{8401958D-91DE-4036-8CB5-879656988744}" type="datetimeFigureOut">
               <a:rPr lang="zh-TW" altLang="en-US" smtClean="0"/>
-              <a:t>2023/10/17</a:t>
+              <a:t>2023/10/18</a:t>
             </a:fld>
             <a:endParaRPr lang="zh-TW" altLang="en-US"/>
           </a:p>
@@ -1134,7 +1139,7 @@
           <a:p>
             <a:fld id="{8401958D-91DE-4036-8CB5-879656988744}" type="datetimeFigureOut">
               <a:rPr lang="zh-TW" altLang="en-US" smtClean="0"/>
-              <a:t>2023/10/17</a:t>
+              <a:t>2023/10/18</a:t>
             </a:fld>
             <a:endParaRPr lang="zh-TW" altLang="en-US"/>
           </a:p>
@@ -1399,7 +1404,7 @@
           <a:p>
             <a:fld id="{8401958D-91DE-4036-8CB5-879656988744}" type="datetimeFigureOut">
               <a:rPr lang="zh-TW" altLang="en-US" smtClean="0"/>
-              <a:t>2023/10/17</a:t>
+              <a:t>2023/10/18</a:t>
             </a:fld>
             <a:endParaRPr lang="zh-TW" altLang="en-US"/>
           </a:p>
@@ -1811,7 +1816,7 @@
           <a:p>
             <a:fld id="{8401958D-91DE-4036-8CB5-879656988744}" type="datetimeFigureOut">
               <a:rPr lang="zh-TW" altLang="en-US" smtClean="0"/>
-              <a:t>2023/10/17</a:t>
+              <a:t>2023/10/18</a:t>
             </a:fld>
             <a:endParaRPr lang="zh-TW" altLang="en-US"/>
           </a:p>
@@ -1952,7 +1957,7 @@
           <a:p>
             <a:fld id="{8401958D-91DE-4036-8CB5-879656988744}" type="datetimeFigureOut">
               <a:rPr lang="zh-TW" altLang="en-US" smtClean="0"/>
-              <a:t>2023/10/17</a:t>
+              <a:t>2023/10/18</a:t>
             </a:fld>
             <a:endParaRPr lang="zh-TW" altLang="en-US"/>
           </a:p>
@@ -2065,7 +2070,7 @@
           <a:p>
             <a:fld id="{8401958D-91DE-4036-8CB5-879656988744}" type="datetimeFigureOut">
               <a:rPr lang="zh-TW" altLang="en-US" smtClean="0"/>
-              <a:t>2023/10/17</a:t>
+              <a:t>2023/10/18</a:t>
             </a:fld>
             <a:endParaRPr lang="zh-TW" altLang="en-US"/>
           </a:p>
@@ -2376,7 +2381,7 @@
           <a:p>
             <a:fld id="{8401958D-91DE-4036-8CB5-879656988744}" type="datetimeFigureOut">
               <a:rPr lang="zh-TW" altLang="en-US" smtClean="0"/>
-              <a:t>2023/10/17</a:t>
+              <a:t>2023/10/18</a:t>
             </a:fld>
             <a:endParaRPr lang="zh-TW" altLang="en-US"/>
           </a:p>
@@ -2664,7 +2669,7 @@
           <a:p>
             <a:fld id="{8401958D-91DE-4036-8CB5-879656988744}" type="datetimeFigureOut">
               <a:rPr lang="zh-TW" altLang="en-US" smtClean="0"/>
-              <a:t>2023/10/17</a:t>
+              <a:t>2023/10/18</a:t>
             </a:fld>
             <a:endParaRPr lang="zh-TW" altLang="en-US"/>
           </a:p>
@@ -2905,7 +2910,7 @@
           <a:p>
             <a:fld id="{8401958D-91DE-4036-8CB5-879656988744}" type="datetimeFigureOut">
               <a:rPr lang="zh-TW" altLang="en-US" smtClean="0"/>
-              <a:t>2023/10/17</a:t>
+              <a:t>2023/10/18</a:t>
             </a:fld>
             <a:endParaRPr lang="zh-TW" altLang="en-US"/>
           </a:p>
@@ -3445,7 +3450,7 @@
                 <p:ph idx="1"/>
                 <p:extLst>
                   <p:ext uri="{D42A27DB-BD31-4B8C-83A1-F6EECF244321}">
-                    <p14:modId xmlns:p14="http://schemas.microsoft.com/office/powerpoint/2010/main" val="3725692403"/>
+                    <p14:modId xmlns:p14="http://schemas.microsoft.com/office/powerpoint/2010/main" val="582141844"/>
                   </p:ext>
                 </p:extLst>
               </p:nvPr>
@@ -3589,6 +3594,11 @@
                             <a:rPr lang="zh-TW" altLang="en-US" dirty="0"/>
                             <a:t>最小</a:t>
                           </a:r>
+                          <a:r>
+                            <a:rPr lang="en-US" altLang="zh-TW" dirty="0"/>
+                            <a:t>(0.3~1%)</a:t>
+                          </a:r>
+                          <a:endParaRPr lang="zh-TW" altLang="en-US" dirty="0"/>
                         </a:p>
                       </a:txBody>
                       <a:tcPr/>
@@ -3772,7 +3782,7 @@
                 <p:ph idx="1"/>
                 <p:extLst>
                   <p:ext uri="{D42A27DB-BD31-4B8C-83A1-F6EECF244321}">
-                    <p14:modId xmlns:p14="http://schemas.microsoft.com/office/powerpoint/2010/main" val="3725692403"/>
+                    <p14:modId xmlns:p14="http://schemas.microsoft.com/office/powerpoint/2010/main" val="582141844"/>
                   </p:ext>
                 </p:extLst>
               </p:nvPr>
@@ -3884,6 +3894,11 @@
                             <a:rPr lang="zh-TW" altLang="en-US" dirty="0"/>
                             <a:t>最小</a:t>
                           </a:r>
+                          <a:r>
+                            <a:rPr lang="en-US" altLang="zh-TW" dirty="0"/>
+                            <a:t>(0.3~1%)</a:t>
+                          </a:r>
+                          <a:endParaRPr lang="zh-TW" altLang="en-US" dirty="0"/>
                         </a:p>
                       </a:txBody>
                       <a:tcPr/>

--- a/智慧車輛/moment of inertia report.pptx
+++ b/智慧車輛/moment of inertia report.pptx
@@ -6,7 +6,9 @@
   </p:sldMasterIdLst>
   <p:sldIdLst>
     <p:sldId id="256" r:id="rId2"/>
-    <p:sldId id="257" r:id="rId3"/>
+    <p:sldId id="258" r:id="rId3"/>
+    <p:sldId id="259" r:id="rId4"/>
+    <p:sldId id="257" r:id="rId5"/>
   </p:sldIdLst>
   <p:sldSz cx="12192000" cy="6858000"/>
   <p:notesSz cx="6858000" cy="9144000"/>
@@ -260,7 +262,7 @@
           <a:p>
             <a:fld id="{8401958D-91DE-4036-8CB5-879656988744}" type="datetimeFigureOut">
               <a:rPr lang="zh-TW" altLang="en-US" smtClean="0"/>
-              <a:t>2023/10/18</a:t>
+              <a:t>2023/10/19</a:t>
             </a:fld>
             <a:endParaRPr lang="zh-TW" altLang="en-US"/>
           </a:p>
@@ -458,7 +460,7 @@
           <a:p>
             <a:fld id="{8401958D-91DE-4036-8CB5-879656988744}" type="datetimeFigureOut">
               <a:rPr lang="zh-TW" altLang="en-US" smtClean="0"/>
-              <a:t>2023/10/18</a:t>
+              <a:t>2023/10/19</a:t>
             </a:fld>
             <a:endParaRPr lang="zh-TW" altLang="en-US"/>
           </a:p>
@@ -666,7 +668,7 @@
           <a:p>
             <a:fld id="{8401958D-91DE-4036-8CB5-879656988744}" type="datetimeFigureOut">
               <a:rPr lang="zh-TW" altLang="en-US" smtClean="0"/>
-              <a:t>2023/10/18</a:t>
+              <a:t>2023/10/19</a:t>
             </a:fld>
             <a:endParaRPr lang="zh-TW" altLang="en-US"/>
           </a:p>
@@ -864,7 +866,7 @@
           <a:p>
             <a:fld id="{8401958D-91DE-4036-8CB5-879656988744}" type="datetimeFigureOut">
               <a:rPr lang="zh-TW" altLang="en-US" smtClean="0"/>
-              <a:t>2023/10/18</a:t>
+              <a:t>2023/10/19</a:t>
             </a:fld>
             <a:endParaRPr lang="zh-TW" altLang="en-US"/>
           </a:p>
@@ -1139,7 +1141,7 @@
           <a:p>
             <a:fld id="{8401958D-91DE-4036-8CB5-879656988744}" type="datetimeFigureOut">
               <a:rPr lang="zh-TW" altLang="en-US" smtClean="0"/>
-              <a:t>2023/10/18</a:t>
+              <a:t>2023/10/19</a:t>
             </a:fld>
             <a:endParaRPr lang="zh-TW" altLang="en-US"/>
           </a:p>
@@ -1404,7 +1406,7 @@
           <a:p>
             <a:fld id="{8401958D-91DE-4036-8CB5-879656988744}" type="datetimeFigureOut">
               <a:rPr lang="zh-TW" altLang="en-US" smtClean="0"/>
-              <a:t>2023/10/18</a:t>
+              <a:t>2023/10/19</a:t>
             </a:fld>
             <a:endParaRPr lang="zh-TW" altLang="en-US"/>
           </a:p>
@@ -1816,7 +1818,7 @@
           <a:p>
             <a:fld id="{8401958D-91DE-4036-8CB5-879656988744}" type="datetimeFigureOut">
               <a:rPr lang="zh-TW" altLang="en-US" smtClean="0"/>
-              <a:t>2023/10/18</a:t>
+              <a:t>2023/10/19</a:t>
             </a:fld>
             <a:endParaRPr lang="zh-TW" altLang="en-US"/>
           </a:p>
@@ -1957,7 +1959,7 @@
           <a:p>
             <a:fld id="{8401958D-91DE-4036-8CB5-879656988744}" type="datetimeFigureOut">
               <a:rPr lang="zh-TW" altLang="en-US" smtClean="0"/>
-              <a:t>2023/10/18</a:t>
+              <a:t>2023/10/19</a:t>
             </a:fld>
             <a:endParaRPr lang="zh-TW" altLang="en-US"/>
           </a:p>
@@ -2070,7 +2072,7 @@
           <a:p>
             <a:fld id="{8401958D-91DE-4036-8CB5-879656988744}" type="datetimeFigureOut">
               <a:rPr lang="zh-TW" altLang="en-US" smtClean="0"/>
-              <a:t>2023/10/18</a:t>
+              <a:t>2023/10/19</a:t>
             </a:fld>
             <a:endParaRPr lang="zh-TW" altLang="en-US"/>
           </a:p>
@@ -2381,7 +2383,7 @@
           <a:p>
             <a:fld id="{8401958D-91DE-4036-8CB5-879656988744}" type="datetimeFigureOut">
               <a:rPr lang="zh-TW" altLang="en-US" smtClean="0"/>
-              <a:t>2023/10/18</a:t>
+              <a:t>2023/10/19</a:t>
             </a:fld>
             <a:endParaRPr lang="zh-TW" altLang="en-US"/>
           </a:p>
@@ -2669,7 +2671,7 @@
           <a:p>
             <a:fld id="{8401958D-91DE-4036-8CB5-879656988744}" type="datetimeFigureOut">
               <a:rPr lang="zh-TW" altLang="en-US" smtClean="0"/>
-              <a:t>2023/10/18</a:t>
+              <a:t>2023/10/19</a:t>
             </a:fld>
             <a:endParaRPr lang="zh-TW" altLang="en-US"/>
           </a:p>
@@ -2910,7 +2912,7 @@
           <a:p>
             <a:fld id="{8401958D-91DE-4036-8CB5-879656988744}" type="datetimeFigureOut">
               <a:rPr lang="zh-TW" altLang="en-US" smtClean="0"/>
-              <a:t>2023/10/18</a:t>
+              <a:t>2023/10/19</a:t>
             </a:fld>
             <a:endParaRPr lang="zh-TW" altLang="en-US"/>
           </a:p>
@@ -3412,7 +3414,7 @@
           <p:cNvPr id="2" name="標題 1">
             <a:extLst>
               <a:ext uri="{FF2B5EF4-FFF2-40B4-BE49-F238E27FC236}">
-                <a16:creationId xmlns:a16="http://schemas.microsoft.com/office/drawing/2014/main" id="{448A1725-1C21-47BC-92E0-14DA9DEEFE0B}"/>
+                <a16:creationId xmlns:a16="http://schemas.microsoft.com/office/drawing/2014/main" id="{813670A6-C400-4EDC-B8C4-0FA29FD13A0B}"/>
               </a:ext>
             </a:extLst>
           </p:cNvPr>
@@ -3428,12 +3430,753 @@
           <a:bodyPr/>
           <a:lstStyle/>
           <a:p>
-            <a:endParaRPr lang="zh-TW" altLang="en-US"/>
+            <a:r>
+              <a:rPr lang="en-US" altLang="zh-TW" dirty="0"/>
+              <a:t>Methods of getting yaw moment of inertia</a:t>
+            </a:r>
+            <a:endParaRPr lang="zh-TW" altLang="en-US" dirty="0"/>
+          </a:p>
+        </p:txBody>
+      </p:sp>
+      <p:sp>
+        <p:nvSpPr>
+          <p:cNvPr id="4" name="文字版面配置區 3">
+            <a:extLst>
+              <a:ext uri="{FF2B5EF4-FFF2-40B4-BE49-F238E27FC236}">
+                <a16:creationId xmlns:a16="http://schemas.microsoft.com/office/drawing/2014/main" id="{858E9D71-D030-409C-9120-6074A90491B2}"/>
+              </a:ext>
+            </a:extLst>
+          </p:cNvPr>
+          <p:cNvSpPr>
+            <a:spLocks noGrp="1"/>
+          </p:cNvSpPr>
+          <p:nvPr>
+            <p:ph type="body" idx="1"/>
+          </p:nvPr>
+        </p:nvSpPr>
+        <p:spPr/>
+        <p:txBody>
+          <a:bodyPr/>
+          <a:lstStyle/>
+          <a:p>
+            <a:r>
+              <a:rPr lang="en-US" altLang="zh-TW" dirty="0"/>
+              <a:t>Measurement</a:t>
+            </a:r>
+            <a:endParaRPr lang="zh-TW" altLang="en-US" dirty="0"/>
+          </a:p>
+        </p:txBody>
+      </p:sp>
+      <p:sp>
+        <p:nvSpPr>
+          <p:cNvPr id="5" name="內容版面配置區 4">
+            <a:extLst>
+              <a:ext uri="{FF2B5EF4-FFF2-40B4-BE49-F238E27FC236}">
+                <a16:creationId xmlns:a16="http://schemas.microsoft.com/office/drawing/2014/main" id="{41BEA865-7CD9-44BD-B0AD-BD8094B2AC75}"/>
+              </a:ext>
+            </a:extLst>
+          </p:cNvPr>
+          <p:cNvSpPr>
+            <a:spLocks noGrp="1"/>
+          </p:cNvSpPr>
+          <p:nvPr>
+            <p:ph sz="half" idx="2"/>
+          </p:nvPr>
+        </p:nvSpPr>
+        <p:spPr/>
+        <p:txBody>
+          <a:bodyPr>
+            <a:normAutofit/>
+          </a:bodyPr>
+          <a:lstStyle/>
+          <a:p>
+            <a:r>
+              <a:rPr lang="en-US" altLang="zh-TW" dirty="0"/>
+              <a:t>Base on pendulum principle</a:t>
+            </a:r>
+          </a:p>
+          <a:p>
+            <a:pPr lvl="1"/>
+            <a:r>
+              <a:rPr lang="en-US" altLang="zh-TW" dirty="0"/>
+              <a:t>Suspension method</a:t>
+            </a:r>
+          </a:p>
+          <a:p>
+            <a:pPr marL="457200" lvl="1" indent="0">
+              <a:buNone/>
+            </a:pPr>
+            <a:r>
+              <a:rPr lang="en-US" altLang="zh-TW" sz="1100" dirty="0"/>
+              <a:t>Woodfield, A. A. (1969). Measurement of the yawing</a:t>
+            </a:r>
+          </a:p>
+          <a:p>
+            <a:pPr marL="457200" lvl="1" indent="0">
+              <a:buNone/>
+            </a:pPr>
+            <a:r>
+              <a:rPr lang="en-US" altLang="zh-TW" sz="1100" dirty="0"/>
+              <a:t>moment and product of inertia of an aircraft by the</a:t>
+            </a:r>
+          </a:p>
+          <a:p>
+            <a:pPr marL="457200" lvl="1" indent="0">
+              <a:buNone/>
+            </a:pPr>
+            <a:r>
+              <a:rPr lang="en-US" altLang="zh-TW" sz="1100" dirty="0"/>
+              <a:t>single point suspension method: theory and rig design.</a:t>
+            </a:r>
+          </a:p>
+          <a:p>
+            <a:pPr marL="457200" lvl="1" indent="0">
+              <a:buNone/>
+            </a:pPr>
+            <a:r>
+              <a:rPr lang="en-US" altLang="zh-TW" sz="1100" dirty="0"/>
+              <a:t>Reports and memoranda (Aeronautical Research Council</a:t>
+            </a:r>
+          </a:p>
+          <a:p>
+            <a:pPr marL="457200" lvl="1" indent="0">
+              <a:buNone/>
+            </a:pPr>
+            <a:r>
+              <a:rPr lang="en-US" altLang="zh-TW" sz="1100" dirty="0"/>
+              <a:t>(Great Britain)), No. 3607. </a:t>
+            </a:r>
+            <a:r>
+              <a:rPr lang="en-US" altLang="zh-TW" sz="1100" dirty="0">
+                <a:solidFill>
+                  <a:schemeClr val="accent1"/>
+                </a:solidFill>
+              </a:rPr>
+              <a:t>https://reports.aerade.cranfield.ac.uk/handle/1826.2/2875</a:t>
+            </a:r>
+          </a:p>
+          <a:p>
+            <a:pPr lvl="1"/>
+            <a:r>
+              <a:rPr lang="en-US" altLang="zh-TW" dirty="0"/>
+              <a:t>Torsion pendulum</a:t>
+            </a:r>
+          </a:p>
+          <a:p>
+            <a:pPr marL="457200" lvl="1" indent="0">
+              <a:buNone/>
+            </a:pPr>
+            <a:r>
+              <a:rPr lang="en-US" altLang="zh-TW" sz="1000" dirty="0"/>
+              <a:t>HEJTMÁNEK, Petr, et al. Measuring the yaw moment of inertia of a vehicle. J. Middle Eur. Constr. Des. Cars, 2013, 11.1: 16-22.</a:t>
+            </a:r>
+          </a:p>
+          <a:p>
+            <a:pPr marL="457200" lvl="1" indent="0">
+              <a:buNone/>
+            </a:pPr>
+            <a:r>
+              <a:rPr lang="en-US" altLang="zh-TW" sz="1000" dirty="0">
+                <a:solidFill>
+                  <a:schemeClr val="accent1"/>
+                </a:solidFill>
+              </a:rPr>
+              <a:t>https://scholar.google.com.tw/scholar?hl=zh-TW&amp;as_sdt=0%2C5&amp;q=moment+of+inertia+vehicle&amp;btnG=&amp;oq=mom</a:t>
+            </a:r>
+            <a:endParaRPr lang="zh-TW" altLang="en-US" sz="1000" dirty="0">
+              <a:solidFill>
+                <a:schemeClr val="accent1"/>
+              </a:solidFill>
+            </a:endParaRPr>
+          </a:p>
+        </p:txBody>
+      </p:sp>
+      <p:sp>
+        <p:nvSpPr>
+          <p:cNvPr id="6" name="文字版面配置區 5">
+            <a:extLst>
+              <a:ext uri="{FF2B5EF4-FFF2-40B4-BE49-F238E27FC236}">
+                <a16:creationId xmlns:a16="http://schemas.microsoft.com/office/drawing/2014/main" id="{1C6DA1E5-2711-4BD8-A0F7-E3FB2E64757E}"/>
+              </a:ext>
+            </a:extLst>
+          </p:cNvPr>
+          <p:cNvSpPr>
+            <a:spLocks noGrp="1"/>
+          </p:cNvSpPr>
+          <p:nvPr>
+            <p:ph type="body" sz="quarter" idx="3"/>
+          </p:nvPr>
+        </p:nvSpPr>
+        <p:spPr/>
+        <p:txBody>
+          <a:bodyPr/>
+          <a:lstStyle/>
+          <a:p>
+            <a:r>
+              <a:rPr lang="en-US" altLang="zh-TW" dirty="0"/>
+              <a:t>estimate on road (by model)</a:t>
+            </a:r>
+            <a:endParaRPr lang="zh-TW" altLang="en-US" dirty="0"/>
+          </a:p>
+        </p:txBody>
+      </p:sp>
+      <p:sp>
+        <p:nvSpPr>
+          <p:cNvPr id="7" name="內容版面配置區 6">
+            <a:extLst>
+              <a:ext uri="{FF2B5EF4-FFF2-40B4-BE49-F238E27FC236}">
+                <a16:creationId xmlns:a16="http://schemas.microsoft.com/office/drawing/2014/main" id="{6815843D-D0AB-4133-9A20-B031B2C5B9A4}"/>
+              </a:ext>
+            </a:extLst>
+          </p:cNvPr>
+          <p:cNvSpPr>
+            <a:spLocks noGrp="1"/>
+          </p:cNvSpPr>
+          <p:nvPr>
+            <p:ph sz="quarter" idx="4"/>
+          </p:nvPr>
+        </p:nvSpPr>
+        <p:spPr/>
+        <p:txBody>
+          <a:bodyPr>
+            <a:normAutofit/>
+          </a:bodyPr>
+          <a:lstStyle/>
+          <a:p>
+            <a:r>
+              <a:rPr lang="en-US" altLang="zh-TW" dirty="0"/>
+              <a:t>Estimate system characteristic matrix </a:t>
+            </a:r>
+            <a:r>
+              <a:rPr lang="en-US" altLang="zh-TW" dirty="0">
+                <a:solidFill>
+                  <a:srgbClr val="FF0000"/>
+                </a:solidFill>
+              </a:rPr>
+              <a:t>→</a:t>
+            </a:r>
+            <a:r>
+              <a:rPr lang="en-US" altLang="zh-TW" dirty="0"/>
+              <a:t> least squares analysis</a:t>
+            </a:r>
+          </a:p>
+          <a:p>
+            <a:pPr lvl="1"/>
+            <a:r>
+              <a:rPr lang="en-US" altLang="zh-TW" dirty="0"/>
+              <a:t>Yaw</a:t>
+            </a:r>
+          </a:p>
+          <a:p>
+            <a:pPr lvl="1"/>
+            <a:r>
+              <a:rPr lang="en-US" altLang="zh-TW" dirty="0"/>
+              <a:t>Roll</a:t>
+            </a:r>
+          </a:p>
+          <a:p>
+            <a:pPr lvl="1"/>
+            <a:r>
+              <a:rPr lang="en-US" altLang="zh-TW" dirty="0"/>
+              <a:t>Bounce</a:t>
+            </a:r>
+          </a:p>
+          <a:p>
+            <a:pPr marL="457200" lvl="1" indent="0">
+              <a:buNone/>
+            </a:pPr>
+            <a:r>
+              <a:rPr lang="en-US" altLang="zh-TW" sz="1000" dirty="0"/>
+              <a:t>Matthew </a:t>
+            </a:r>
+            <a:r>
+              <a:rPr lang="en-US" altLang="zh-TW" sz="1000" dirty="0" err="1"/>
+              <a:t>Rozyn</a:t>
+            </a:r>
+            <a:r>
+              <a:rPr lang="en-US" altLang="zh-TW" sz="1000" dirty="0"/>
+              <a:t> &amp; Nong Zhang (2010) A method for estimation of vehicle inertial parameters, Vehicle System Dynamics, 48:5, 547-565, DOI: 10.1080/00423110902939863</a:t>
+            </a:r>
+          </a:p>
+          <a:p>
+            <a:pPr marL="457200" lvl="1" indent="0">
+              <a:buNone/>
+            </a:pPr>
+            <a:r>
+              <a:rPr lang="en-US" altLang="zh-TW" sz="1000" dirty="0">
+                <a:solidFill>
+                  <a:schemeClr val="accent1"/>
+                </a:solidFill>
+                <a:hlinkClick r:id="rId2"/>
+              </a:rPr>
+              <a:t>https://www.tandfonline.com/doi/full/10.1080/00423110902939863</a:t>
+            </a:r>
+            <a:endParaRPr lang="en-US" altLang="zh-TW" sz="1000" dirty="0">
+              <a:solidFill>
+                <a:schemeClr val="accent1"/>
+              </a:solidFill>
+            </a:endParaRPr>
+          </a:p>
+          <a:p>
+            <a:pPr marL="457200" lvl="1" indent="0">
+              <a:buNone/>
+            </a:pPr>
+            <a:endParaRPr lang="en-US" altLang="zh-TW" sz="1000" dirty="0">
+              <a:solidFill>
+                <a:schemeClr val="accent1"/>
+              </a:solidFill>
+            </a:endParaRPr>
+          </a:p>
+          <a:p>
+            <a:pPr marL="457200" lvl="1" indent="0">
+              <a:buNone/>
+            </a:pPr>
+            <a:r>
+              <a:rPr lang="en-US" altLang="zh-TW" sz="1000" dirty="0"/>
+              <a:t>Real-time vehicle parameter estimation and adaptive stability control</a:t>
+            </a:r>
+          </a:p>
+          <a:p>
+            <a:pPr marL="457200" lvl="1" indent="0">
+              <a:buNone/>
+            </a:pPr>
+            <a:r>
+              <a:rPr lang="en-US" altLang="zh-TW" sz="1000" dirty="0" err="1"/>
+              <a:t>Limroth</a:t>
+            </a:r>
+            <a:r>
+              <a:rPr lang="en-US" altLang="zh-TW" sz="1000" dirty="0"/>
+              <a:t>, John.   Clemson University ProQuest Dissertations Publishing,  2009. 3389256.</a:t>
+            </a:r>
+            <a:endParaRPr lang="zh-TW" altLang="en-US" sz="1000" dirty="0"/>
+          </a:p>
+        </p:txBody>
+      </p:sp>
+    </p:spTree>
+    <p:extLst>
+      <p:ext uri="{BB962C8B-B14F-4D97-AF65-F5344CB8AC3E}">
+        <p14:creationId xmlns:p14="http://schemas.microsoft.com/office/powerpoint/2010/main" val="1956962123"/>
+      </p:ext>
+    </p:extLst>
+  </p:cSld>
+  <p:clrMapOvr>
+    <a:masterClrMapping/>
+  </p:clrMapOvr>
+</p:sld>
+</file>
+
+<file path=ppt/slides/slide3.xml><?xml version="1.0" encoding="utf-8"?>
+<p:sld xmlns:a="http://schemas.openxmlformats.org/drawingml/2006/main" xmlns:r="http://schemas.openxmlformats.org/officeDocument/2006/relationships" xmlns:p="http://schemas.openxmlformats.org/presentationml/2006/main">
+  <p:cSld>
+    <p:spTree>
+      <p:nvGrpSpPr>
+        <p:cNvPr id="1" name=""/>
+        <p:cNvGrpSpPr/>
+        <p:nvPr/>
+      </p:nvGrpSpPr>
+      <p:grpSpPr>
+        <a:xfrm>
+          <a:off x="0" y="0"/>
+          <a:ext cx="0" cy="0"/>
+          <a:chOff x="0" y="0"/>
+          <a:chExt cx="0" cy="0"/>
+        </a:xfrm>
+      </p:grpSpPr>
+      <p:sp>
+        <p:nvSpPr>
+          <p:cNvPr id="2" name="標題 1">
+            <a:extLst>
+              <a:ext uri="{FF2B5EF4-FFF2-40B4-BE49-F238E27FC236}">
+                <a16:creationId xmlns:a16="http://schemas.microsoft.com/office/drawing/2014/main" id="{813670A6-C400-4EDC-B8C4-0FA29FD13A0B}"/>
+              </a:ext>
+            </a:extLst>
+          </p:cNvPr>
+          <p:cNvSpPr>
+            <a:spLocks noGrp="1"/>
+          </p:cNvSpPr>
+          <p:nvPr>
+            <p:ph type="title"/>
+          </p:nvPr>
+        </p:nvSpPr>
+        <p:spPr/>
+        <p:txBody>
+          <a:bodyPr/>
+          <a:lstStyle/>
+          <a:p>
+            <a:r>
+              <a:rPr lang="en-US" altLang="zh-TW" dirty="0"/>
+              <a:t>Methods of getting yaw moment of inertia</a:t>
+            </a:r>
+            <a:endParaRPr lang="zh-TW" altLang="en-US" dirty="0"/>
+          </a:p>
+        </p:txBody>
+      </p:sp>
+      <p:sp>
+        <p:nvSpPr>
+          <p:cNvPr id="4" name="文字版面配置區 3">
+            <a:extLst>
+              <a:ext uri="{FF2B5EF4-FFF2-40B4-BE49-F238E27FC236}">
+                <a16:creationId xmlns:a16="http://schemas.microsoft.com/office/drawing/2014/main" id="{858E9D71-D030-409C-9120-6074A90491B2}"/>
+              </a:ext>
+            </a:extLst>
+          </p:cNvPr>
+          <p:cNvSpPr>
+            <a:spLocks noGrp="1"/>
+          </p:cNvSpPr>
+          <p:nvPr>
+            <p:ph type="body" idx="1"/>
+          </p:nvPr>
+        </p:nvSpPr>
+        <p:spPr/>
+        <p:txBody>
+          <a:bodyPr/>
+          <a:lstStyle/>
+          <a:p>
+            <a:r>
+              <a:rPr lang="en-US" altLang="zh-TW" dirty="0"/>
+              <a:t>Estimation formula</a:t>
+            </a:r>
+            <a:endParaRPr lang="zh-TW" altLang="en-US" dirty="0"/>
           </a:p>
         </p:txBody>
       </p:sp>
       <mc:AlternateContent xmlns:mc="http://schemas.openxmlformats.org/markup-compatibility/2006">
         <mc:Choice xmlns:a14="http://schemas.microsoft.com/office/drawing/2010/main" Requires="a14">
+          <p:sp>
+            <p:nvSpPr>
+              <p:cNvPr id="5" name="內容版面配置區 4">
+                <a:extLst>
+                  <a:ext uri="{FF2B5EF4-FFF2-40B4-BE49-F238E27FC236}">
+                    <a16:creationId xmlns:a16="http://schemas.microsoft.com/office/drawing/2014/main" id="{41BEA865-7CD9-44BD-B0AD-BD8094B2AC75}"/>
+                  </a:ext>
+                </a:extLst>
+              </p:cNvPr>
+              <p:cNvSpPr>
+                <a:spLocks noGrp="1"/>
+              </p:cNvSpPr>
+              <p:nvPr>
+                <p:ph sz="half" idx="2"/>
+              </p:nvPr>
+            </p:nvSpPr>
+            <p:spPr/>
+            <p:txBody>
+              <a:bodyPr>
+                <a:normAutofit/>
+              </a:bodyPr>
+              <a:lstStyle/>
+              <a:p>
+                <a:pPr marL="0" indent="0">
+                  <a:buNone/>
+                </a:pPr>
+                <a14:m>
+                  <m:oMathPara xmlns:m="http://schemas.openxmlformats.org/officeDocument/2006/math">
+                    <m:oMathParaPr>
+                      <m:jc m:val="centerGroup"/>
+                    </m:oMathParaPr>
+                    <m:oMath xmlns:m="http://schemas.openxmlformats.org/officeDocument/2006/math">
+                      <m:sSub>
+                        <m:sSubPr>
+                          <m:ctrlPr>
+                            <a:rPr lang="en-US" altLang="zh-TW" i="1" smtClean="0">
+                              <a:latin typeface="Cambria Math" panose="02040503050406030204" pitchFamily="18" charset="0"/>
+                            </a:rPr>
+                          </m:ctrlPr>
+                        </m:sSubPr>
+                        <m:e>
+                          <m:r>
+                            <a:rPr lang="en-US" altLang="zh-TW" b="0" i="1" smtClean="0">
+                              <a:latin typeface="Cambria Math" panose="02040503050406030204" pitchFamily="18" charset="0"/>
+                            </a:rPr>
+                            <m:t>𝐼</m:t>
+                          </m:r>
+                        </m:e>
+                        <m:sub>
+                          <m:r>
+                            <a:rPr lang="en-US" altLang="zh-TW" b="0" i="1" smtClean="0">
+                              <a:latin typeface="Cambria Math" panose="02040503050406030204" pitchFamily="18" charset="0"/>
+                            </a:rPr>
+                            <m:t>𝑧𝑧</m:t>
+                          </m:r>
+                        </m:sub>
+                      </m:sSub>
+                      <m:r>
+                        <a:rPr lang="en-US" altLang="zh-TW" b="0" i="1" smtClean="0">
+                          <a:latin typeface="Cambria Math" panose="02040503050406030204" pitchFamily="18" charset="0"/>
+                        </a:rPr>
+                        <m:t>=</m:t>
+                      </m:r>
+                      <m:r>
+                        <a:rPr lang="en-US" altLang="zh-TW" b="0" i="1" smtClean="0">
+                          <a:latin typeface="Cambria Math" panose="02040503050406030204" pitchFamily="18" charset="0"/>
+                        </a:rPr>
+                        <m:t>𝑚𝑎𝑏</m:t>
+                      </m:r>
+                    </m:oMath>
+                  </m:oMathPara>
+                </a14:m>
+                <a:endParaRPr lang="zh-TW" altLang="en-US" dirty="0"/>
+              </a:p>
+            </p:txBody>
+          </p:sp>
+        </mc:Choice>
+        <mc:Fallback>
+          <p:sp>
+            <p:nvSpPr>
+              <p:cNvPr id="5" name="內容版面配置區 4">
+                <a:extLst>
+                  <a:ext uri="{FF2B5EF4-FFF2-40B4-BE49-F238E27FC236}">
+                    <a16:creationId xmlns:a16="http://schemas.microsoft.com/office/drawing/2014/main" id="{41BEA865-7CD9-44BD-B0AD-BD8094B2AC75}"/>
+                  </a:ext>
+                </a:extLst>
+              </p:cNvPr>
+              <p:cNvSpPr>
+                <a:spLocks noGrp="1" noRot="1" noChangeAspect="1" noMove="1" noResize="1" noEditPoints="1" noAdjustHandles="1" noChangeArrowheads="1" noChangeShapeType="1" noTextEdit="1"/>
+              </p:cNvSpPr>
+              <p:nvPr>
+                <p:ph sz="half" idx="2"/>
+              </p:nvPr>
+            </p:nvSpPr>
+            <p:spPr>
+              <a:blipFill>
+                <a:blip r:embed="rId2"/>
+                <a:stretch>
+                  <a:fillRect/>
+                </a:stretch>
+              </a:blipFill>
+            </p:spPr>
+            <p:txBody>
+              <a:bodyPr/>
+              <a:lstStyle/>
+              <a:p>
+                <a:r>
+                  <a:rPr lang="zh-TW" altLang="en-US">
+                    <a:noFill/>
+                  </a:rPr>
+                  <a:t> </a:t>
+                </a:r>
+              </a:p>
+            </p:txBody>
+          </p:sp>
+        </mc:Fallback>
+      </mc:AlternateContent>
+      <p:sp>
+        <p:nvSpPr>
+          <p:cNvPr id="6" name="文字版面配置區 5">
+            <a:extLst>
+              <a:ext uri="{FF2B5EF4-FFF2-40B4-BE49-F238E27FC236}">
+                <a16:creationId xmlns:a16="http://schemas.microsoft.com/office/drawing/2014/main" id="{1C6DA1E5-2711-4BD8-A0F7-E3FB2E64757E}"/>
+              </a:ext>
+            </a:extLst>
+          </p:cNvPr>
+          <p:cNvSpPr>
+            <a:spLocks noGrp="1"/>
+          </p:cNvSpPr>
+          <p:nvPr>
+            <p:ph type="body" sz="quarter" idx="3"/>
+          </p:nvPr>
+        </p:nvSpPr>
+        <p:spPr/>
+        <p:txBody>
+          <a:bodyPr/>
+          <a:lstStyle/>
+          <a:p>
+            <a:r>
+              <a:rPr lang="en-US" altLang="zh-TW" dirty="0"/>
+              <a:t>Finding data in table</a:t>
+            </a:r>
+            <a:endParaRPr lang="zh-TW" altLang="en-US" dirty="0"/>
+          </a:p>
+        </p:txBody>
+      </p:sp>
+      <p:sp>
+        <p:nvSpPr>
+          <p:cNvPr id="7" name="內容版面配置區 6">
+            <a:extLst>
+              <a:ext uri="{FF2B5EF4-FFF2-40B4-BE49-F238E27FC236}">
+                <a16:creationId xmlns:a16="http://schemas.microsoft.com/office/drawing/2014/main" id="{6815843D-D0AB-4133-9A20-B031B2C5B9A4}"/>
+              </a:ext>
+            </a:extLst>
+          </p:cNvPr>
+          <p:cNvSpPr>
+            <a:spLocks noGrp="1"/>
+          </p:cNvSpPr>
+          <p:nvPr>
+            <p:ph sz="quarter" idx="4"/>
+          </p:nvPr>
+        </p:nvSpPr>
+        <p:spPr/>
+        <p:txBody>
+          <a:bodyPr>
+            <a:normAutofit/>
+          </a:bodyPr>
+          <a:lstStyle/>
+          <a:p>
+            <a:r>
+              <a:rPr lang="en-US" altLang="zh-TW" dirty="0"/>
+              <a:t>Estimate system characteristic matrix </a:t>
+            </a:r>
+            <a:r>
+              <a:rPr lang="en-US" altLang="zh-TW" dirty="0">
+                <a:solidFill>
+                  <a:srgbClr val="FF0000"/>
+                </a:solidFill>
+              </a:rPr>
+              <a:t>→</a:t>
+            </a:r>
+            <a:r>
+              <a:rPr lang="en-US" altLang="zh-TW" dirty="0"/>
+              <a:t> least squares analysis</a:t>
+            </a:r>
+          </a:p>
+          <a:p>
+            <a:pPr lvl="1"/>
+            <a:r>
+              <a:rPr lang="en-US" altLang="zh-TW" dirty="0"/>
+              <a:t>Yaw</a:t>
+            </a:r>
+          </a:p>
+          <a:p>
+            <a:pPr lvl="1"/>
+            <a:r>
+              <a:rPr lang="en-US" altLang="zh-TW" dirty="0"/>
+              <a:t>Roll</a:t>
+            </a:r>
+          </a:p>
+          <a:p>
+            <a:pPr lvl="1"/>
+            <a:r>
+              <a:rPr lang="en-US" altLang="zh-TW" dirty="0"/>
+              <a:t>Bounce</a:t>
+            </a:r>
+          </a:p>
+          <a:p>
+            <a:pPr marL="457200" lvl="1" indent="0">
+              <a:buNone/>
+            </a:pPr>
+            <a:r>
+              <a:rPr lang="en-US" altLang="zh-TW" sz="1000" dirty="0"/>
+              <a:t>Matthew </a:t>
+            </a:r>
+            <a:r>
+              <a:rPr lang="en-US" altLang="zh-TW" sz="1000" dirty="0" err="1"/>
+              <a:t>Rozyn</a:t>
+            </a:r>
+            <a:r>
+              <a:rPr lang="en-US" altLang="zh-TW" sz="1000" dirty="0"/>
+              <a:t> &amp; Nong Zhang (2010) A method for estimation of vehicle inertial parameters, Vehicle System Dynamics, 48:5, 547-565, DOI: 10.1080/00423110902939863</a:t>
+            </a:r>
+          </a:p>
+          <a:p>
+            <a:pPr marL="457200" lvl="1" indent="0">
+              <a:buNone/>
+            </a:pPr>
+            <a:r>
+              <a:rPr lang="en-US" altLang="zh-TW" sz="1000" dirty="0">
+                <a:solidFill>
+                  <a:schemeClr val="accent1"/>
+                </a:solidFill>
+                <a:hlinkClick r:id="rId3"/>
+              </a:rPr>
+              <a:t>https://www.tandfonline.com/doi/full/10.1080/00423110902939863</a:t>
+            </a:r>
+            <a:endParaRPr lang="en-US" altLang="zh-TW" sz="1000" dirty="0">
+              <a:solidFill>
+                <a:schemeClr val="accent1"/>
+              </a:solidFill>
+            </a:endParaRPr>
+          </a:p>
+          <a:p>
+            <a:pPr marL="457200" lvl="1" indent="0">
+              <a:buNone/>
+            </a:pPr>
+            <a:endParaRPr lang="en-US" altLang="zh-TW" sz="1000" dirty="0">
+              <a:solidFill>
+                <a:schemeClr val="accent1"/>
+              </a:solidFill>
+            </a:endParaRPr>
+          </a:p>
+          <a:p>
+            <a:pPr marL="457200" lvl="1" indent="0">
+              <a:buNone/>
+            </a:pPr>
+            <a:r>
+              <a:rPr lang="en-US" altLang="zh-TW" sz="1000" dirty="0"/>
+              <a:t>Real-time vehicle parameter estimation and adaptive stability control</a:t>
+            </a:r>
+          </a:p>
+          <a:p>
+            <a:pPr marL="457200" lvl="1" indent="0">
+              <a:buNone/>
+            </a:pPr>
+            <a:r>
+              <a:rPr lang="en-US" altLang="zh-TW" sz="1000" dirty="0" err="1"/>
+              <a:t>Limroth</a:t>
+            </a:r>
+            <a:r>
+              <a:rPr lang="en-US" altLang="zh-TW" sz="1000" dirty="0"/>
+              <a:t>, John.   Clemson University ProQuest Dissertations Publishing,  2009. 3389256.</a:t>
+            </a:r>
+            <a:endParaRPr lang="zh-TW" altLang="en-US" sz="1000" dirty="0"/>
+          </a:p>
+        </p:txBody>
+      </p:sp>
+    </p:spTree>
+    <p:extLst>
+      <p:ext uri="{BB962C8B-B14F-4D97-AF65-F5344CB8AC3E}">
+        <p14:creationId xmlns:p14="http://schemas.microsoft.com/office/powerpoint/2010/main" val="445991432"/>
+      </p:ext>
+    </p:extLst>
+  </p:cSld>
+  <p:clrMapOvr>
+    <a:masterClrMapping/>
+  </p:clrMapOvr>
+</p:sld>
+</file>
+
+<file path=ppt/slides/slide4.xml><?xml version="1.0" encoding="utf-8"?>
+<p:sld xmlns:a="http://schemas.openxmlformats.org/drawingml/2006/main" xmlns:r="http://schemas.openxmlformats.org/officeDocument/2006/relationships" xmlns:p="http://schemas.openxmlformats.org/presentationml/2006/main">
+  <p:cSld>
+    <p:spTree>
+      <p:nvGrpSpPr>
+        <p:cNvPr id="1" name=""/>
+        <p:cNvGrpSpPr/>
+        <p:nvPr/>
+      </p:nvGrpSpPr>
+      <p:grpSpPr>
+        <a:xfrm>
+          <a:off x="0" y="0"/>
+          <a:ext cx="0" cy="0"/>
+          <a:chOff x="0" y="0"/>
+          <a:chExt cx="0" cy="0"/>
+        </a:xfrm>
+      </p:grpSpPr>
+      <p:sp>
+        <p:nvSpPr>
+          <p:cNvPr id="2" name="標題 1">
+            <a:extLst>
+              <a:ext uri="{FF2B5EF4-FFF2-40B4-BE49-F238E27FC236}">
+                <a16:creationId xmlns:a16="http://schemas.microsoft.com/office/drawing/2014/main" id="{448A1725-1C21-47BC-92E0-14DA9DEEFE0B}"/>
+              </a:ext>
+            </a:extLst>
+          </p:cNvPr>
+          <p:cNvSpPr>
+            <a:spLocks noGrp="1"/>
+          </p:cNvSpPr>
+          <p:nvPr>
+            <p:ph type="title"/>
+          </p:nvPr>
+        </p:nvSpPr>
+        <p:spPr/>
+        <p:txBody>
+          <a:bodyPr/>
+          <a:lstStyle/>
+          <a:p>
+            <a:endParaRPr lang="zh-TW" altLang="en-US"/>
+          </a:p>
+        </p:txBody>
+      </p:sp>
+      <mc:AlternateContent xmlns:mc="http://schemas.openxmlformats.org/markup-compatibility/2006" xmlns:a14="http://schemas.microsoft.com/office/drawing/2010/main">
+        <mc:Choice Requires="a14">
           <p:graphicFrame>
             <p:nvGraphicFramePr>
               <p:cNvPr id="4" name="表格 4">
@@ -3450,7 +4193,7 @@
                 <p:ph idx="1"/>
                 <p:extLst>
                   <p:ext uri="{D42A27DB-BD31-4B8C-83A1-F6EECF244321}">
-                    <p14:modId xmlns:p14="http://schemas.microsoft.com/office/powerpoint/2010/main" val="582141844"/>
+                    <p14:modId xmlns:p14="http://schemas.microsoft.com/office/powerpoint/2010/main" val="2746359398"/>
                   </p:ext>
                 </p:extLst>
               </p:nvPr>
@@ -3689,7 +4432,7 @@
                         <a:p>
                           <a:r>
                             <a:rPr lang="zh-TW" altLang="en-US" dirty="0"/>
-                            <a:t>第三</a:t>
+                            <a:t>未知</a:t>
                           </a:r>
                         </a:p>
                       </a:txBody>
@@ -3722,7 +4465,7 @@
                         <a:p>
                           <a:r>
                             <a:rPr lang="zh-TW" altLang="en-US" dirty="0"/>
-                            <a:t>將車輛視為均質物體</a:t>
+                            <a:t>查表估計</a:t>
                           </a:r>
                         </a:p>
                       </a:txBody>
@@ -3735,7 +4478,7 @@
                         <a:p>
                           <a:r>
                             <a:rPr lang="zh-TW" altLang="en-US" dirty="0"/>
-                            <a:t>最大</a:t>
+                            <a:t>未知</a:t>
                           </a:r>
                         </a:p>
                       </a:txBody>
@@ -3748,7 +4491,7 @@
                         <a:p>
                           <a:r>
                             <a:rPr lang="zh-TW" altLang="en-US" dirty="0"/>
-                            <a:t>最少</a:t>
+                            <a:t>第三</a:t>
                           </a:r>
                         </a:p>
                       </a:txBody>
@@ -3765,7 +4508,7 @@
             </a:graphic>
           </p:graphicFrame>
         </mc:Choice>
-        <mc:Fallback>
+        <mc:Fallback xmlns="">
           <p:graphicFrame>
             <p:nvGraphicFramePr>
               <p:cNvPr id="4" name="表格 4">
@@ -3782,7 +4525,7 @@
                 <p:ph idx="1"/>
                 <p:extLst>
                   <p:ext uri="{D42A27DB-BD31-4B8C-83A1-F6EECF244321}">
-                    <p14:modId xmlns:p14="http://schemas.microsoft.com/office/powerpoint/2010/main" val="582141844"/>
+                    <p14:modId xmlns:p14="http://schemas.microsoft.com/office/powerpoint/2010/main" val="2746359398"/>
                   </p:ext>
                 </p:extLst>
               </p:nvPr>
@@ -3989,7 +4732,7 @@
                         <a:p>
                           <a:r>
                             <a:rPr lang="zh-TW" altLang="en-US" dirty="0"/>
-                            <a:t>第三</a:t>
+                            <a:t>未知</a:t>
                           </a:r>
                         </a:p>
                       </a:txBody>
@@ -4022,7 +4765,7 @@
                         <a:p>
                           <a:r>
                             <a:rPr lang="zh-TW" altLang="en-US" dirty="0"/>
-                            <a:t>將車輛視為均質物體</a:t>
+                            <a:t>查表估計</a:t>
                           </a:r>
                         </a:p>
                       </a:txBody>
@@ -4035,7 +4778,7 @@
                         <a:p>
                           <a:r>
                             <a:rPr lang="zh-TW" altLang="en-US" dirty="0"/>
-                            <a:t>最大</a:t>
+                            <a:t>未知</a:t>
                           </a:r>
                         </a:p>
                       </a:txBody>
@@ -4048,7 +4791,7 @@
                         <a:p>
                           <a:r>
                             <a:rPr lang="zh-TW" altLang="en-US" dirty="0"/>
-                            <a:t>最少</a:t>
+                            <a:t>第三</a:t>
                           </a:r>
                         </a:p>
                       </a:txBody>
